--- a/workshop/fairnessadvanced.pptx
+++ b/workshop/fairnessadvanced.pptx
@@ -263,7 +263,7 @@
       <p15:sldGuideLst xmlns:p15="http://schemas.microsoft.com/office/powerpoint/2012/main"/>
     </p:ext>
     <p:ext uri="http://customooxmlschemas.google.com/">
-      <go:slidesCustomData xmlns="" xmlns:mc="http://schemas.openxmlformats.org/markup-compatibility/2006" xmlns:mv="urn:schemas-microsoft-com:mac:vml" xmlns:c="http://schemas.openxmlformats.org/drawingml/2006/chart" xmlns:dgm="http://schemas.openxmlformats.org/drawingml/2006/diagram" xmlns:o="urn:schemas-microsoft-com:office:office" xmlns:v="urn:schemas-microsoft-com:vml" xmlns:pvml="urn:schemas-microsoft-com:office:powerpoint" xmlns:com="http://schemas.openxmlformats.org/drawingml/2006/compatibility" xmlns:p14="http://schemas.microsoft.com/office/powerpoint/2010/main" xmlns:p15="http://schemas.microsoft.com/office/powerpoint/2012/main" xmlns:ahyp="http://schemas.microsoft.com/office/drawing/2018/hyperlinkcolor" xmlns:go="http://customooxmlschemas.google.com/" r:id="rId21" roundtripDataSignature="AMtx7mjmFT/CNmpYGxssKZFb3nddrYAIVw=="/>
+      <go:slidesCustomData xmlns:go="http://customooxmlschemas.google.com/" xmlns:ahyp="http://schemas.microsoft.com/office/drawing/2018/hyperlinkcolor" xmlns:p15="http://schemas.microsoft.com/office/powerpoint/2012/main" xmlns:p14="http://schemas.microsoft.com/office/powerpoint/2010/main" xmlns:com="http://schemas.openxmlformats.org/drawingml/2006/compatibility" xmlns:pvml="urn:schemas-microsoft-com:office:powerpoint" xmlns:v="urn:schemas-microsoft-com:vml" xmlns:o="urn:schemas-microsoft-com:office:office" xmlns:dgm="http://schemas.openxmlformats.org/drawingml/2006/diagram" xmlns:c="http://schemas.openxmlformats.org/drawingml/2006/chart" xmlns:mv="urn:schemas-microsoft-com:mac:vml" xmlns:mc="http://schemas.openxmlformats.org/markup-compatibility/2006" xmlns="" r:id="rId21" roundtripDataSignature="AMtx7mjmFT/CNmpYGxssKZFb3nddrYAIVw=="/>
     </p:ext>
   </p:extLst>
 </p:presentation>
@@ -18913,32 +18913,15 @@
           </a:bodyPr>
           <a:lstStyle/>
           <a:p>
-            <a:pPr marL="0" lvl="0" indent="0" algn="l" rtl="0">
-              <a:lnSpc>
-                <a:spcPct val="85000"/>
-              </a:lnSpc>
-              <a:spcBef>
-                <a:spcPts val="0"/>
-              </a:spcBef>
-              <a:spcAft>
-                <a:spcPts val="0"/>
-              </a:spcAft>
-              <a:buClr>
-                <a:srgbClr val="262626"/>
-              </a:buClr>
-              <a:buSzPts val="8000"/>
-              <a:buFont typeface="Calibri"/>
-              <a:buNone/>
-            </a:pPr>
             <a:r>
-              <a:rPr lang="en-IN" sz="5400" dirty="0"/>
-              <a:t>An Introduction to Fairness in Machine Learning Using </a:t>
+              <a:rPr lang="en-US" sz="6600" b="1" dirty="0"/>
+              <a:t>A Deep Dive into Fairness in Machine Learning using </a:t>
             </a:r>
             <a:r>
-              <a:rPr lang="en-IN" sz="5400" dirty="0" err="1"/>
+              <a:rPr lang="en-US" sz="6600" b="1" dirty="0" err="1"/>
               <a:t>Fairlearn</a:t>
             </a:r>
-            <a:endParaRPr sz="5400" dirty="0"/>
+            <a:endParaRPr sz="4800" dirty="0"/>
           </a:p>
         </p:txBody>
       </p:sp>
@@ -19304,8 +19287,8 @@
           </a:p>
         </p:txBody>
       </p:sp>
-      <mc:AlternateContent xmlns:mc="http://schemas.openxmlformats.org/markup-compatibility/2006">
-        <mc:Choice xmlns:a14="http://schemas.microsoft.com/office/drawing/2010/main" Requires="a14">
+      <mc:AlternateContent xmlns:mc="http://schemas.openxmlformats.org/markup-compatibility/2006" xmlns:a14="http://schemas.microsoft.com/office/drawing/2010/main">
+        <mc:Choice Requires="a14">
           <p:sp>
             <p:nvSpPr>
               <p:cNvPr id="3" name="Content Placeholder 2">
@@ -19625,7 +19608,7 @@
             </p:txBody>
           </p:sp>
         </mc:Choice>
-        <mc:Fallback>
+        <mc:Fallback xmlns="">
           <p:sp>
             <p:nvSpPr>
               <p:cNvPr id="3" name="Content Placeholder 2">
@@ -34812,8 +34795,8 @@
           </a:p>
         </p:txBody>
       </p:sp>
-      <mc:AlternateContent xmlns:mc="http://schemas.openxmlformats.org/markup-compatibility/2006">
-        <mc:Choice xmlns:a14="http://schemas.microsoft.com/office/drawing/2010/main" Requires="a14">
+      <mc:AlternateContent xmlns:mc="http://schemas.openxmlformats.org/markup-compatibility/2006" xmlns:a14="http://schemas.microsoft.com/office/drawing/2010/main">
+        <mc:Choice Requires="a14">
           <p:sp>
             <p:nvSpPr>
               <p:cNvPr id="3" name="Content Placeholder 2">
@@ -35070,7 +35053,7 @@
             </p:txBody>
           </p:sp>
         </mc:Choice>
-        <mc:Fallback>
+        <mc:Fallback xmlns="">
           <p:sp>
             <p:nvSpPr>
               <p:cNvPr id="3" name="Content Placeholder 2">
